--- a/中間発表_英語.pptx
+++ b/中間発表_英語.pptx
@@ -226,7 +226,7 @@
           <a:p>
             <a:fld id="{F185D03E-571D-BA42-85BF-4D068DC12E29}" type="datetimeFigureOut">
               <a:rPr kumimoji="1" lang="ja-JP" altLang="en-US" smtClean="0"/>
-              <a:t>2020/10/19</a:t>
+              <a:t>2020/10/22</a:t>
             </a:fld>
             <a:endParaRPr kumimoji="1" lang="ja-JP" altLang="en-US"/>
           </a:p>
@@ -1094,7 +1094,7 @@
           <a:p>
             <a:fld id="{4022EDAD-B217-3946-A79C-481C6FEC392F}" type="datetime1">
               <a:rPr kumimoji="1" lang="ja-JP" altLang="en-US" smtClean="0"/>
-              <a:t>2020/10/19</a:t>
+              <a:t>2020/10/22</a:t>
             </a:fld>
             <a:endParaRPr kumimoji="1" lang="ja-JP" altLang="en-US"/>
           </a:p>
@@ -1322,7 +1322,7 @@
           <a:p>
             <a:fld id="{8F2CA839-3EA4-F84E-9DD3-1549C09B4DFF}" type="datetime1">
               <a:rPr kumimoji="1" lang="ja-JP" altLang="en-US" smtClean="0"/>
-              <a:t>2020/10/19</a:t>
+              <a:t>2020/10/22</a:t>
             </a:fld>
             <a:endParaRPr kumimoji="1" lang="ja-JP" altLang="en-US"/>
           </a:p>
@@ -1554,7 +1554,7 @@
           <a:p>
             <a:fld id="{0903EBEF-087E-1C4B-A394-4BF982076E9B}" type="datetime1">
               <a:rPr kumimoji="1" lang="ja-JP" altLang="en-US" smtClean="0"/>
-              <a:t>2020/10/19</a:t>
+              <a:t>2020/10/22</a:t>
             </a:fld>
             <a:endParaRPr kumimoji="1" lang="ja-JP" altLang="en-US"/>
           </a:p>
@@ -1772,7 +1772,7 @@
           <a:p>
             <a:fld id="{3CC3E3BD-DD2F-0F4C-9F7B-BD2CFE73C08E}" type="datetime1">
               <a:rPr kumimoji="1" lang="ja-JP" altLang="en-US" smtClean="0"/>
-              <a:t>2020/10/19</a:t>
+              <a:t>2020/10/22</a:t>
             </a:fld>
             <a:endParaRPr kumimoji="1" lang="ja-JP" altLang="en-US"/>
           </a:p>
@@ -2097,7 +2097,7 @@
           <a:p>
             <a:fld id="{C115CAE8-F975-9249-9A1B-F50E55793BF8}" type="datetime1">
               <a:rPr kumimoji="1" lang="ja-JP" altLang="en-US" smtClean="0"/>
-              <a:t>2020/10/19</a:t>
+              <a:t>2020/10/22</a:t>
             </a:fld>
             <a:endParaRPr kumimoji="1" lang="ja-JP" altLang="en-US"/>
           </a:p>
@@ -2390,7 +2390,7 @@
           <a:p>
             <a:fld id="{4B86C5E8-D6C8-5540-A4FD-D0987B8EBD10}" type="datetime1">
               <a:rPr kumimoji="1" lang="ja-JP" altLang="en-US" smtClean="0"/>
-              <a:t>2020/10/19</a:t>
+              <a:t>2020/10/22</a:t>
             </a:fld>
             <a:endParaRPr kumimoji="1" lang="ja-JP" altLang="en-US"/>
           </a:p>
@@ -2905,7 +2905,7 @@
           <a:p>
             <a:fld id="{6FA0929B-742B-B141-B071-CCB3728A9B97}" type="datetime1">
               <a:rPr kumimoji="1" lang="ja-JP" altLang="en-US" smtClean="0"/>
-              <a:t>2020/10/19</a:t>
+              <a:t>2020/10/22</a:t>
             </a:fld>
             <a:endParaRPr kumimoji="1" lang="ja-JP" altLang="en-US"/>
           </a:p>
@@ -3063,7 +3063,7 @@
           <a:p>
             <a:fld id="{6E24F31F-B5AD-3641-8587-346597BEC0BE}" type="datetime1">
               <a:rPr kumimoji="1" lang="ja-JP" altLang="en-US" smtClean="0"/>
-              <a:t>2020/10/19</a:t>
+              <a:t>2020/10/22</a:t>
             </a:fld>
             <a:endParaRPr kumimoji="1" lang="ja-JP" altLang="en-US"/>
           </a:p>
@@ -3198,7 +3198,7 @@
           <a:p>
             <a:fld id="{BE99A350-A1B1-1E45-BB25-3DF64E2FB64C}" type="datetime1">
               <a:rPr kumimoji="1" lang="ja-JP" altLang="en-US" smtClean="0"/>
-              <a:t>2020/10/19</a:t>
+              <a:t>2020/10/22</a:t>
             </a:fld>
             <a:endParaRPr kumimoji="1" lang="ja-JP" altLang="en-US"/>
           </a:p>
@@ -3496,7 +3496,7 @@
           <a:p>
             <a:fld id="{B66F413D-3751-BA4F-95FD-B012FBB5AC38}" type="datetime1">
               <a:rPr kumimoji="1" lang="ja-JP" altLang="en-US" smtClean="0"/>
-              <a:t>2020/10/19</a:t>
+              <a:t>2020/10/22</a:t>
             </a:fld>
             <a:endParaRPr kumimoji="1" lang="ja-JP" altLang="en-US"/>
           </a:p>
@@ -3993,7 +3993,7 @@
           <a:p>
             <a:fld id="{3F034A29-2760-CE48-9EAD-37F6D8A2ED9E}" type="datetime1">
               <a:rPr kumimoji="1" lang="ja-JP" altLang="en-US" smtClean="0"/>
-              <a:t>2020/10/19</a:t>
+              <a:t>2020/10/22</a:t>
             </a:fld>
             <a:endParaRPr kumimoji="1" lang="ja-JP" altLang="en-US"/>
           </a:p>
@@ -4374,7 +4374,7 @@
           <a:p>
             <a:fld id="{4BD725EE-9545-E84A-BF76-93ECAC915F52}" type="datetime1">
               <a:rPr kumimoji="1" lang="ja-JP" altLang="en-US" smtClean="0"/>
-              <a:t>2020/10/19</a:t>
+              <a:t>2020/10/22</a:t>
             </a:fld>
             <a:endParaRPr kumimoji="1" lang="ja-JP" altLang="en-US"/>
           </a:p>
@@ -5575,8 +5575,8 @@
           </a:p>
         </p:txBody>
       </p:sp>
-      <mc:AlternateContent xmlns:mc="http://schemas.openxmlformats.org/markup-compatibility/2006">
-        <mc:Choice xmlns:a14="http://schemas.microsoft.com/office/drawing/2010/main" Requires="a14">
+      <mc:AlternateContent xmlns:mc="http://schemas.openxmlformats.org/markup-compatibility/2006" xmlns:a14="http://schemas.microsoft.com/office/drawing/2010/main">
+        <mc:Choice Requires="a14">
           <p:sp>
             <p:nvSpPr>
               <p:cNvPr id="3" name="コンテンツ プレースホルダー 2">
@@ -6397,7 +6397,7 @@
             </p:txBody>
           </p:sp>
         </mc:Choice>
-        <mc:Fallback>
+        <mc:Fallback xmlns="">
           <p:sp>
             <p:nvSpPr>
               <p:cNvPr id="3" name="コンテンツ プレースホルダー 2">
@@ -16105,16 +16105,6 @@
           </a:p>
           <a:p>
             <a:r>
-              <a:rPr kumimoji="1" lang="en-US" altLang="ja-JP" dirty="0"/>
-              <a:t>we utilize the propert</a:t>
-            </a:r>
-            <a:r>
-              <a:rPr lang="en-US" altLang="ja-JP" dirty="0"/>
-              <a:t>y that the function is convex</a:t>
-            </a:r>
-          </a:p>
-          <a:p>
-            <a:r>
               <a:rPr lang="en-US" altLang="ja-JP" dirty="0"/>
               <a:t>By using approach by </a:t>
             </a:r>
@@ -16130,7 +16120,20 @@
               <a:rPr lang="en" altLang="ja-JP" dirty="0"/>
               <a:t>, we assume that we can reduce the calculation time</a:t>
             </a:r>
-            <a:endParaRPr lang="en-US" altLang="ja-JP" dirty="0"/>
+          </a:p>
+          <a:p>
+            <a:r>
+              <a:rPr lang="en" altLang="ja-JP" dirty="0"/>
+              <a:t>I and </a:t>
+            </a:r>
+            <a:r>
+              <a:rPr lang="ja-JP" altLang="en-US"/>
+              <a:t>佐藤くん</a:t>
+            </a:r>
+            <a:r>
+              <a:rPr lang="en-US" altLang="ja-JP" dirty="0"/>
+              <a:t> will work together on this approach.</a:t>
+            </a:r>
           </a:p>
           <a:p>
             <a:endParaRPr lang="en-US" altLang="ja-JP" dirty="0"/>
@@ -16537,15 +16540,7 @@
           <a:p>
             <a:r>
               <a:rPr lang="en-US" altLang="ja-JP" dirty="0"/>
-              <a:t>working together with </a:t>
-            </a:r>
-            <a:r>
-              <a:rPr lang="ja-JP" altLang="en-US"/>
-              <a:t>佐藤くん</a:t>
-            </a:r>
-            <a:r>
-              <a:rPr lang="en-US" altLang="ja-JP" dirty="0"/>
-              <a:t> to reduce calculation time.</a:t>
+              <a:t>reducing calculation time.</a:t>
             </a:r>
           </a:p>
           <a:p>
